--- a/5.0_python_6.libraries/python_libraries/numpy/Numpy_class.pptx
+++ b/5.0_python_6.libraries/python_libraries/numpy/Numpy_class.pptx
@@ -31976,6 +31976,35 @@
           </a:p>
         </p:txBody>
       </p:sp>
+      <p:sp>
+        <p:nvSpPr>
+          <p:cNvPr id="2" name="Text Box 1"/>
+          <p:cNvSpPr txBox="1"/>
+          <p:nvPr/>
+        </p:nvSpPr>
+        <p:spPr>
+          <a:xfrm>
+            <a:off x="396240" y="4490720"/>
+            <a:ext cx="8435975" cy="306705"/>
+          </a:xfrm>
+          <a:prstGeom prst="rect">
+            <a:avLst/>
+          </a:prstGeom>
+          <a:noFill/>
+        </p:spPr>
+        <p:txBody>
+          <a:bodyPr wrap="square" rtlCol="0" anchor="t">
+            <a:spAutoFit/>
+          </a:bodyPr>
+          <a:p>
+            <a:r>
+              <a:rPr lang="en-US" altLang="en-US"/>
+              <a:t>https://jakevdp.github.io/PythonDataScienceHandbook/02.05-computation-on-arrays-broadcasting.html</a:t>
+            </a:r>
+            <a:endParaRPr lang="en-US"/>
+          </a:p>
+        </p:txBody>
+      </p:sp>
     </p:spTree>
   </p:cSld>
   <p:clrMapOvr>
